--- a/Activity 2 Part 1/Vertudez_Activity_2_Part_1_Report.pptx
+++ b/Activity 2 Part 1/Vertudez_Activity_2_Part_1_Report.pptx
@@ -13,6 +13,7 @@
     <p:sldId id="258" r:id="rId7"/>
     <p:sldId id="261" r:id="rId8"/>
     <p:sldId id="260" r:id="rId9"/>
+    <p:sldId id="270" r:id="rId10"/>
   </p:sldIdLst>
   <p:sldSz cx="12192000" cy="6858000"/>
   <p:notesSz cx="6858000" cy="9144000"/>
@@ -266,7 +267,7 @@
           <a:p>
             <a:fld id="{C977F0E1-D0AB-4222-BA87-70E524633AC4}" type="datetimeFigureOut">
               <a:rPr lang="en-US" smtClean="0"/>
-              <a:t>3/24/2023</a:t>
+              <a:t>6/20/2023</a:t>
             </a:fld>
             <a:endParaRPr lang="en-US"/>
           </a:p>
@@ -464,7 +465,7 @@
           <a:p>
             <a:fld id="{C977F0E1-D0AB-4222-BA87-70E524633AC4}" type="datetimeFigureOut">
               <a:rPr lang="en-US" smtClean="0"/>
-              <a:t>3/24/2023</a:t>
+              <a:t>6/20/2023</a:t>
             </a:fld>
             <a:endParaRPr lang="en-US"/>
           </a:p>
@@ -672,7 +673,7 @@
           <a:p>
             <a:fld id="{C977F0E1-D0AB-4222-BA87-70E524633AC4}" type="datetimeFigureOut">
               <a:rPr lang="en-US" smtClean="0"/>
-              <a:t>3/24/2023</a:t>
+              <a:t>6/20/2023</a:t>
             </a:fld>
             <a:endParaRPr lang="en-US"/>
           </a:p>
@@ -870,7 +871,7 @@
           <a:p>
             <a:fld id="{C977F0E1-D0AB-4222-BA87-70E524633AC4}" type="datetimeFigureOut">
               <a:rPr lang="en-US" smtClean="0"/>
-              <a:t>3/24/2023</a:t>
+              <a:t>6/20/2023</a:t>
             </a:fld>
             <a:endParaRPr lang="en-US"/>
           </a:p>
@@ -1145,7 +1146,7 @@
           <a:p>
             <a:fld id="{C977F0E1-D0AB-4222-BA87-70E524633AC4}" type="datetimeFigureOut">
               <a:rPr lang="en-US" smtClean="0"/>
-              <a:t>3/24/2023</a:t>
+              <a:t>6/20/2023</a:t>
             </a:fld>
             <a:endParaRPr lang="en-US"/>
           </a:p>
@@ -1410,7 +1411,7 @@
           <a:p>
             <a:fld id="{C977F0E1-D0AB-4222-BA87-70E524633AC4}" type="datetimeFigureOut">
               <a:rPr lang="en-US" smtClean="0"/>
-              <a:t>3/24/2023</a:t>
+              <a:t>6/20/2023</a:t>
             </a:fld>
             <a:endParaRPr lang="en-US"/>
           </a:p>
@@ -1822,7 +1823,7 @@
           <a:p>
             <a:fld id="{C977F0E1-D0AB-4222-BA87-70E524633AC4}" type="datetimeFigureOut">
               <a:rPr lang="en-US" smtClean="0"/>
-              <a:t>3/24/2023</a:t>
+              <a:t>6/20/2023</a:t>
             </a:fld>
             <a:endParaRPr lang="en-US"/>
           </a:p>
@@ -1963,7 +1964,7 @@
           <a:p>
             <a:fld id="{C977F0E1-D0AB-4222-BA87-70E524633AC4}" type="datetimeFigureOut">
               <a:rPr lang="en-US" smtClean="0"/>
-              <a:t>3/24/2023</a:t>
+              <a:t>6/20/2023</a:t>
             </a:fld>
             <a:endParaRPr lang="en-US"/>
           </a:p>
@@ -2076,7 +2077,7 @@
           <a:p>
             <a:fld id="{C977F0E1-D0AB-4222-BA87-70E524633AC4}" type="datetimeFigureOut">
               <a:rPr lang="en-US" smtClean="0"/>
-              <a:t>3/24/2023</a:t>
+              <a:t>6/20/2023</a:t>
             </a:fld>
             <a:endParaRPr lang="en-US"/>
           </a:p>
@@ -2387,7 +2388,7 @@
           <a:p>
             <a:fld id="{C977F0E1-D0AB-4222-BA87-70E524633AC4}" type="datetimeFigureOut">
               <a:rPr lang="en-US" smtClean="0"/>
-              <a:t>3/24/2023</a:t>
+              <a:t>6/20/2023</a:t>
             </a:fld>
             <a:endParaRPr lang="en-US"/>
           </a:p>
@@ -2675,7 +2676,7 @@
           <a:p>
             <a:fld id="{C977F0E1-D0AB-4222-BA87-70E524633AC4}" type="datetimeFigureOut">
               <a:rPr lang="en-US" smtClean="0"/>
-              <a:t>3/24/2023</a:t>
+              <a:t>6/20/2023</a:t>
             </a:fld>
             <a:endParaRPr lang="en-US"/>
           </a:p>
@@ -2916,7 +2917,7 @@
           <a:p>
             <a:fld id="{C977F0E1-D0AB-4222-BA87-70E524633AC4}" type="datetimeFigureOut">
               <a:rPr lang="en-US" smtClean="0"/>
-              <a:t>3/24/2023</a:t>
+              <a:t>6/20/2023</a:t>
             </a:fld>
             <a:endParaRPr lang="en-US"/>
           </a:p>
@@ -6900,6 +6901,303 @@
 </p:sld>
 </file>
 
+<file path=ppt/slides/slide9.xml><?xml version="1.0" encoding="utf-8"?>
+<p:sld xmlns:a="http://schemas.openxmlformats.org/drawingml/2006/main" xmlns:r="http://schemas.openxmlformats.org/officeDocument/2006/relationships" xmlns:p="http://schemas.openxmlformats.org/presentationml/2006/main">
+  <p:cSld>
+    <p:spTree>
+      <p:nvGrpSpPr>
+        <p:cNvPr id="1" name=""/>
+        <p:cNvGrpSpPr/>
+        <p:nvPr/>
+      </p:nvGrpSpPr>
+      <p:grpSpPr>
+        <a:xfrm>
+          <a:off x="0" y="0"/>
+          <a:ext cx="0" cy="0"/>
+          <a:chOff x="0" y="0"/>
+          <a:chExt cx="0" cy="0"/>
+        </a:xfrm>
+      </p:grpSpPr>
+      <p:sp>
+        <p:nvSpPr>
+          <p:cNvPr id="109" name="PlaceHolder 1"/>
+          <p:cNvSpPr>
+            <a:spLocks noGrp="1"/>
+          </p:cNvSpPr>
+          <p:nvPr>
+            <p:ph type="title"/>
+          </p:nvPr>
+        </p:nvSpPr>
+        <p:spPr>
+          <a:xfrm>
+            <a:off x="838080" y="365040"/>
+            <a:ext cx="10515240" cy="1325160"/>
+          </a:xfrm>
+          <a:prstGeom prst="rect">
+            <a:avLst/>
+          </a:prstGeom>
+          <a:noFill/>
+          <a:ln w="0">
+            <a:noFill/>
+          </a:ln>
+        </p:spPr>
+        <p:txBody>
+          <a:bodyPr anchor="ctr">
+            <a:noAutofit/>
+          </a:bodyPr>
+          <a:lstStyle/>
+          <a:p>
+            <a:pPr>
+              <a:lnSpc>
+                <a:spcPct val="90000"/>
+              </a:lnSpc>
+              <a:buNone/>
+            </a:pPr>
+            <a:r>
+              <a:rPr lang="en-US" sz="4400" strike="noStrike" spc="-1" dirty="0">
+                <a:solidFill>
+                  <a:srgbClr val="000000"/>
+                </a:solidFill>
+                <a:latin typeface="Calibri Light" panose="020F0302020204030204" pitchFamily="34" charset="0"/>
+                <a:cs typeface="Calibri Light" panose="020F0302020204030204" pitchFamily="34" charset="0"/>
+              </a:rPr>
+              <a:t>SELF-GRADE</a:t>
+            </a:r>
+          </a:p>
+        </p:txBody>
+      </p:sp>
+      <p:sp>
+        <p:nvSpPr>
+          <p:cNvPr id="110" name="PlaceHolder 2"/>
+          <p:cNvSpPr>
+            <a:spLocks noGrp="1"/>
+          </p:cNvSpPr>
+          <p:nvPr>
+            <p:ph/>
+          </p:nvPr>
+        </p:nvSpPr>
+        <p:spPr>
+          <a:xfrm>
+            <a:off x="838080" y="1825560"/>
+            <a:ext cx="10515240" cy="4350960"/>
+          </a:xfrm>
+          <a:prstGeom prst="rect">
+            <a:avLst/>
+          </a:prstGeom>
+          <a:noFill/>
+          <a:ln w="0">
+            <a:noFill/>
+          </a:ln>
+        </p:spPr>
+        <p:txBody>
+          <a:bodyPr anchor="t">
+            <a:noAutofit/>
+          </a:bodyPr>
+          <a:lstStyle/>
+          <a:p>
+            <a:pPr marL="228600" indent="-228600">
+              <a:lnSpc>
+                <a:spcPct val="90000"/>
+              </a:lnSpc>
+              <a:spcBef>
+                <a:spcPts val="1001"/>
+              </a:spcBef>
+              <a:buClr>
+                <a:srgbClr val="000000"/>
+              </a:buClr>
+              <a:buFont typeface="Arial"/>
+              <a:buChar char="•"/>
+            </a:pPr>
+            <a:r>
+              <a:rPr lang="en-US" sz="2400" spc="-1" dirty="0">
+                <a:solidFill>
+                  <a:srgbClr val="000000"/>
+                </a:solidFill>
+                <a:latin typeface="Calibri"/>
+              </a:rPr>
+              <a:t>Technical correctness: 35/35</a:t>
+            </a:r>
+          </a:p>
+          <a:p>
+            <a:pPr lvl="1">
+              <a:spcBef>
+                <a:spcPts val="1001"/>
+              </a:spcBef>
+              <a:buClr>
+                <a:srgbClr val="000000"/>
+              </a:buClr>
+              <a:buFont typeface="Arial"/>
+              <a:buChar char="•"/>
+            </a:pPr>
+            <a:r>
+              <a:rPr lang="en-US" sz="2000" b="0" strike="noStrike" spc="-1" dirty="0">
+                <a:solidFill>
+                  <a:srgbClr val="000000"/>
+                </a:solidFill>
+                <a:latin typeface="Calibri"/>
+              </a:rPr>
+              <a:t>I </a:t>
+            </a:r>
+            <a:r>
+              <a:rPr lang="en-US" sz="2000" spc="-1" dirty="0">
+                <a:solidFill>
+                  <a:srgbClr val="000000"/>
+                </a:solidFill>
+                <a:latin typeface="Calibri"/>
+              </a:rPr>
+              <a:t>am confident that I understood how to use ImageJ to extract feature from images, and have applied it.</a:t>
+            </a:r>
+          </a:p>
+          <a:p>
+            <a:pPr marL="228600" indent="-228600">
+              <a:lnSpc>
+                <a:spcPct val="90000"/>
+              </a:lnSpc>
+              <a:spcBef>
+                <a:spcPts val="1001"/>
+              </a:spcBef>
+              <a:buClr>
+                <a:srgbClr val="000000"/>
+              </a:buClr>
+              <a:buFont typeface="Arial"/>
+              <a:buChar char="•"/>
+            </a:pPr>
+            <a:r>
+              <a:rPr lang="en-US" sz="2400" spc="-1" dirty="0">
+                <a:solidFill>
+                  <a:srgbClr val="000000"/>
+                </a:solidFill>
+                <a:latin typeface="Calibri"/>
+              </a:rPr>
+              <a:t>Quality of presentation: 35/35</a:t>
+            </a:r>
+          </a:p>
+          <a:p>
+            <a:pPr lvl="1">
+              <a:spcBef>
+                <a:spcPts val="1001"/>
+              </a:spcBef>
+              <a:buClr>
+                <a:srgbClr val="000000"/>
+              </a:buClr>
+              <a:buFont typeface="Arial"/>
+              <a:buChar char="•"/>
+            </a:pPr>
+            <a:r>
+              <a:rPr lang="en-US" sz="2000" spc="-1" dirty="0">
+                <a:solidFill>
+                  <a:srgbClr val="000000"/>
+                </a:solidFill>
+                <a:latin typeface="Calibri"/>
+              </a:rPr>
+              <a:t>I have explained each step, and images are clear and concise.</a:t>
+            </a:r>
+          </a:p>
+          <a:p>
+            <a:pPr marL="228600" indent="-228600">
+              <a:lnSpc>
+                <a:spcPct val="90000"/>
+              </a:lnSpc>
+              <a:spcBef>
+                <a:spcPts val="1001"/>
+              </a:spcBef>
+              <a:buClr>
+                <a:srgbClr val="000000"/>
+              </a:buClr>
+              <a:buFont typeface="Arial"/>
+              <a:buChar char="•"/>
+            </a:pPr>
+            <a:r>
+              <a:rPr lang="en-US" sz="2400" spc="-1" dirty="0">
+                <a:solidFill>
+                  <a:srgbClr val="000000"/>
+                </a:solidFill>
+                <a:latin typeface="Calibri"/>
+              </a:rPr>
+              <a:t>Self-reflection: 30/30</a:t>
+            </a:r>
+          </a:p>
+          <a:p>
+            <a:pPr lvl="1">
+              <a:spcBef>
+                <a:spcPts val="1001"/>
+              </a:spcBef>
+              <a:buClr>
+                <a:srgbClr val="000000"/>
+              </a:buClr>
+              <a:buFont typeface="Arial"/>
+              <a:buChar char="•"/>
+            </a:pPr>
+            <a:r>
+              <a:rPr lang="en-US" sz="2000" spc="-1" dirty="0">
+                <a:solidFill>
+                  <a:srgbClr val="000000"/>
+                </a:solidFill>
+                <a:latin typeface="Calibri"/>
+              </a:rPr>
+              <a:t>Even though I was slacking in this subject for a while, I managed to get back on track. The topics are really fun and interesting. It helped me understand the ideas behind image tools such as smartphone cameras, Photoshop, etc.</a:t>
+            </a:r>
+          </a:p>
+          <a:p>
+            <a:pPr marL="228600" indent="-228600">
+              <a:lnSpc>
+                <a:spcPct val="90000"/>
+              </a:lnSpc>
+              <a:spcBef>
+                <a:spcPts val="1001"/>
+              </a:spcBef>
+              <a:buClr>
+                <a:srgbClr val="000000"/>
+              </a:buClr>
+              <a:buFont typeface="Arial"/>
+              <a:buChar char="•"/>
+            </a:pPr>
+            <a:r>
+              <a:rPr lang="en-US" sz="2400" spc="-1" dirty="0">
+                <a:solidFill>
+                  <a:srgbClr val="000000"/>
+                </a:solidFill>
+                <a:latin typeface="Calibri"/>
+              </a:rPr>
+              <a:t>Initiative: 10/10</a:t>
+            </a:r>
+          </a:p>
+          <a:p>
+            <a:pPr lvl="1">
+              <a:spcBef>
+                <a:spcPts val="1001"/>
+              </a:spcBef>
+              <a:buClr>
+                <a:srgbClr val="000000"/>
+              </a:buClr>
+              <a:buFont typeface="Arial"/>
+              <a:buChar char="•"/>
+            </a:pPr>
+            <a:r>
+              <a:rPr lang="en-US" sz="2000" spc="-1" dirty="0">
+                <a:solidFill>
+                  <a:srgbClr val="000000"/>
+                </a:solidFill>
+                <a:latin typeface="Calibri"/>
+              </a:rPr>
+              <a:t>I used an extra image for extraction.</a:t>
+            </a:r>
+          </a:p>
+        </p:txBody>
+      </p:sp>
+    </p:spTree>
+    <p:extLst>
+      <p:ext uri="{BB962C8B-B14F-4D97-AF65-F5344CB8AC3E}">
+        <p14:creationId xmlns:p14="http://schemas.microsoft.com/office/powerpoint/2010/main" val="3784929317"/>
+      </p:ext>
+    </p:extLst>
+  </p:cSld>
+  <p:clrMapOvr>
+    <a:masterClrMapping/>
+  </p:clrMapOvr>
+</p:sld>
+</file>
+
 <file path=ppt/theme/theme1.xml><?xml version="1.0" encoding="utf-8"?>
 <a:theme xmlns:a="http://schemas.openxmlformats.org/drawingml/2006/main" name="Office Theme">
   <a:themeElements>
